--- a/problem description.pptx
+++ b/problem description.pptx
@@ -107,6 +107,11 @@
       </a:defRPr>
     </a:lvl9pPr>
   </p:defaultTextStyle>
+  <p:extLst>
+    <p:ext uri="{EFAFB233-063F-42B5-8137-9DF3F51BA10A}">
+      <p15:sldGuideLst xmlns:p15="http://schemas.microsoft.com/office/powerpoint/2012/main"/>
+    </p:ext>
+  </p:extLst>
 </p:presentation>
 </file>
 
@@ -259,7 +264,7 @@
           <a:p>
             <a:fld id="{95D24B54-C6D7-4834-8607-A4A9C95104F5}" type="datetimeFigureOut">
               <a:rPr lang="en-KE" smtClean="0"/>
-              <a:t>16/06/2024</a:t>
+              <a:t>18/06/2024</a:t>
             </a:fld>
             <a:endParaRPr lang="en-KE"/>
           </a:p>
@@ -459,7 +464,7 @@
           <a:p>
             <a:fld id="{95D24B54-C6D7-4834-8607-A4A9C95104F5}" type="datetimeFigureOut">
               <a:rPr lang="en-KE" smtClean="0"/>
-              <a:t>16/06/2024</a:t>
+              <a:t>18/06/2024</a:t>
             </a:fld>
             <a:endParaRPr lang="en-KE"/>
           </a:p>
@@ -669,7 +674,7 @@
           <a:p>
             <a:fld id="{95D24B54-C6D7-4834-8607-A4A9C95104F5}" type="datetimeFigureOut">
               <a:rPr lang="en-KE" smtClean="0"/>
-              <a:t>16/06/2024</a:t>
+              <a:t>18/06/2024</a:t>
             </a:fld>
             <a:endParaRPr lang="en-KE"/>
           </a:p>
@@ -869,7 +874,7 @@
           <a:p>
             <a:fld id="{95D24B54-C6D7-4834-8607-A4A9C95104F5}" type="datetimeFigureOut">
               <a:rPr lang="en-KE" smtClean="0"/>
-              <a:t>16/06/2024</a:t>
+              <a:t>18/06/2024</a:t>
             </a:fld>
             <a:endParaRPr lang="en-KE"/>
           </a:p>
@@ -1145,7 +1150,7 @@
           <a:p>
             <a:fld id="{95D24B54-C6D7-4834-8607-A4A9C95104F5}" type="datetimeFigureOut">
               <a:rPr lang="en-KE" smtClean="0"/>
-              <a:t>16/06/2024</a:t>
+              <a:t>18/06/2024</a:t>
             </a:fld>
             <a:endParaRPr lang="en-KE"/>
           </a:p>
@@ -1413,7 +1418,7 @@
           <a:p>
             <a:fld id="{95D24B54-C6D7-4834-8607-A4A9C95104F5}" type="datetimeFigureOut">
               <a:rPr lang="en-KE" smtClean="0"/>
-              <a:t>16/06/2024</a:t>
+              <a:t>18/06/2024</a:t>
             </a:fld>
             <a:endParaRPr lang="en-KE"/>
           </a:p>
@@ -1828,7 +1833,7 @@
           <a:p>
             <a:fld id="{95D24B54-C6D7-4834-8607-A4A9C95104F5}" type="datetimeFigureOut">
               <a:rPr lang="en-KE" smtClean="0"/>
-              <a:t>16/06/2024</a:t>
+              <a:t>18/06/2024</a:t>
             </a:fld>
             <a:endParaRPr lang="en-KE"/>
           </a:p>
@@ -1970,7 +1975,7 @@
           <a:p>
             <a:fld id="{95D24B54-C6D7-4834-8607-A4A9C95104F5}" type="datetimeFigureOut">
               <a:rPr lang="en-KE" smtClean="0"/>
-              <a:t>16/06/2024</a:t>
+              <a:t>18/06/2024</a:t>
             </a:fld>
             <a:endParaRPr lang="en-KE"/>
           </a:p>
@@ -2083,7 +2088,7 @@
           <a:p>
             <a:fld id="{95D24B54-C6D7-4834-8607-A4A9C95104F5}" type="datetimeFigureOut">
               <a:rPr lang="en-KE" smtClean="0"/>
-              <a:t>16/06/2024</a:t>
+              <a:t>18/06/2024</a:t>
             </a:fld>
             <a:endParaRPr lang="en-KE"/>
           </a:p>
@@ -2396,7 +2401,7 @@
           <a:p>
             <a:fld id="{95D24B54-C6D7-4834-8607-A4A9C95104F5}" type="datetimeFigureOut">
               <a:rPr lang="en-KE" smtClean="0"/>
-              <a:t>16/06/2024</a:t>
+              <a:t>18/06/2024</a:t>
             </a:fld>
             <a:endParaRPr lang="en-KE"/>
           </a:p>
@@ -2685,7 +2690,7 @@
           <a:p>
             <a:fld id="{95D24B54-C6D7-4834-8607-A4A9C95104F5}" type="datetimeFigureOut">
               <a:rPr lang="en-KE" smtClean="0"/>
-              <a:t>16/06/2024</a:t>
+              <a:t>18/06/2024</a:t>
             </a:fld>
             <a:endParaRPr lang="en-KE"/>
           </a:p>
@@ -2928,7 +2933,7 @@
           <a:p>
             <a:fld id="{95D24B54-C6D7-4834-8607-A4A9C95104F5}" type="datetimeFigureOut">
               <a:rPr lang="en-KE" smtClean="0"/>
-              <a:t>16/06/2024</a:t>
+              <a:t>18/06/2024</a:t>
             </a:fld>
             <a:endParaRPr lang="en-KE"/>
           </a:p>
@@ -5199,23 +5204,29 @@
               <a:buNone/>
             </a:pPr>
             <a:r>
+              <a:rPr lang="en-US" sz="2000" dirty="0">
+                <a:latin typeface="Abadi" panose="020B0604020104020204" pitchFamily="34" charset="0"/>
+              </a:rPr>
+              <a:t>The primary business objective is to develop a predictive model that helps the bank identify potential customers who are likely to purchase the term deposit product. This prediction will help in:</a:t>
+            </a:r>
+          </a:p>
+          <a:p>
+            <a:r>
               <a:rPr lang="en-US" sz="2000">
                 <a:latin typeface="Abadi" panose="020B0604020104020204" pitchFamily="34" charset="0"/>
               </a:rPr>
-              <a:t>the primary business objective is to develop a predictive model that helps the bank identify potential customers who are likely to purchase the term deposit product. This prediction will help in:</a:t>
-            </a:r>
-          </a:p>
-          <a:p>
-            <a:r>
-              <a:rPr lang="en-US" sz="2000">
+              <a:t> Enhance </a:t>
+            </a:r>
+            <a:r>
+              <a:rPr lang="en-US" sz="2000" dirty="0">
                 <a:latin typeface="Abadi" panose="020B0604020104020204" pitchFamily="34" charset="0"/>
               </a:rPr>
-              <a:t>   Enhance the efficiency of the marketing campaigns by the targeting on high-potential customers.</a:t>
-            </a:r>
-          </a:p>
-          <a:p>
-            <a:r>
-              <a:rPr lang="en-US" sz="2000">
+              <a:t>the efficiency of the marketing campaigns by the targeting on high-potential customers.</a:t>
+            </a:r>
+          </a:p>
+          <a:p>
+            <a:r>
+              <a:rPr lang="en-US" sz="2000" dirty="0">
                 <a:latin typeface="Abadi" panose="020B0604020104020204" pitchFamily="34" charset="0"/>
               </a:rPr>
               <a:t>Reduce resource expenditure on marketing</a:t>
@@ -5223,12 +5234,12 @@
           </a:p>
           <a:p>
             <a:r>
-              <a:rPr lang="en-US" sz="2000">
+              <a:rPr lang="en-US" sz="2000" dirty="0">
                 <a:latin typeface="Abadi" panose="020B0604020104020204" pitchFamily="34" charset="0"/>
               </a:rPr>
               <a:t>Increase overall success rate of the product.</a:t>
             </a:r>
-            <a:endParaRPr lang="en-KE" sz="2000">
+            <a:endParaRPr lang="en-KE" sz="2000" dirty="0">
               <a:latin typeface="Abadi" panose="020B0604020104020204" pitchFamily="34" charset="0"/>
             </a:endParaRPr>
           </a:p>
